--- a/Media/Card_GamePresentation.pptx
+++ b/Media/Card_GamePresentation.pptx
@@ -249,7 +249,7 @@
           <a:bodyPr lIns="0" rIns="0" tIns="0" bIns="0" anchor="b"/>
           <a:p>
             <a:pPr algn="r"/>
-            <a:fld id="{F61D9475-6B38-4E8B-9243-8E2FD8DA9827}" type="slidenum">
+            <a:fld id="{7ACBC123-19A3-4648-B542-A8865AED427F}" type="slidenum">
               <a:rPr b="0" lang="en-GB" sz="1400" spc="-1" strike="noStrike">
                 <a:latin typeface="Times New Roman"/>
               </a:rPr>
@@ -359,11 +359,11 @@
                 <a:spcPct val="100000"/>
               </a:lnSpc>
             </a:pPr>
-            <a:fld id="{043ECFDB-4A29-47A5-BB03-7086C419CDE3}" type="slidenum">
+            <a:fld id="{6E19EE8E-5CAC-4907-BEF8-112A12CAFD00}" type="slidenum">
               <a:rPr b="0" lang="en-GB" sz="1200" spc="-1" strike="noStrike">
                 <a:latin typeface="Times New Roman"/>
               </a:rPr>
-              <a:t>&lt;number&gt;</a:t>
+              <a:t>1</a:t>
             </a:fld>
             <a:endParaRPr b="0" lang="en-GB" sz="1200" spc="-1" strike="noStrike">
               <a:latin typeface="Times New Roman"/>
@@ -468,7 +468,7 @@
                 <a:spcPct val="100000"/>
               </a:lnSpc>
             </a:pPr>
-            <a:fld id="{FCA971CB-C8C9-42F0-A4FB-BB4C21CB8FAD}" type="slidenum">
+            <a:fld id="{2E809B98-78A1-4C4E-AE3E-5E39CC146A71}" type="slidenum">
               <a:rPr b="0" lang="en-GB" sz="1200" spc="-1" strike="noStrike">
                 <a:latin typeface="Times New Roman"/>
               </a:rPr>
@@ -577,7 +577,7 @@
                 <a:spcPct val="100000"/>
               </a:lnSpc>
             </a:pPr>
-            <a:fld id="{8754424B-DFD3-4D5A-BFFC-E217656FE118}" type="slidenum">
+            <a:fld id="{558168F5-29B9-4F20-A583-C259BC69534C}" type="slidenum">
               <a:rPr b="0" lang="en-GB" sz="1200" spc="-1" strike="noStrike">
                 <a:latin typeface="Times New Roman"/>
               </a:rPr>
@@ -686,7 +686,7 @@
                 <a:spcPct val="100000"/>
               </a:lnSpc>
             </a:pPr>
-            <a:fld id="{A4D3FD1C-AC65-431B-971A-5A2CBBF72F66}" type="slidenum">
+            <a:fld id="{4630AC5B-C390-4A68-AD7B-253760F2052E}" type="slidenum">
               <a:rPr b="0" lang="en-GB" sz="1200" spc="-1" strike="noStrike">
                 <a:latin typeface="Times New Roman"/>
               </a:rPr>
@@ -795,7 +795,7 @@
                 <a:spcPct val="100000"/>
               </a:lnSpc>
             </a:pPr>
-            <a:fld id="{B488161A-80F4-4D81-9ED9-69EDCCDCDE2C}" type="slidenum">
+            <a:fld id="{118DE889-50DF-4CD7-BCBA-A300F223F8DB}" type="slidenum">
               <a:rPr b="0" lang="en-GB" sz="1200" spc="-1" strike="noStrike">
                 <a:latin typeface="Times New Roman"/>
               </a:rPr>
@@ -904,11 +904,11 @@
                 <a:spcPct val="100000"/>
               </a:lnSpc>
             </a:pPr>
-            <a:fld id="{5FA7A119-1882-48FF-8C01-982BEC24E9FF}" type="slidenum">
+            <a:fld id="{DA3D631A-DD62-4126-A01B-6B8C174814C9}" type="slidenum">
               <a:rPr b="0" lang="en-GB" sz="1200" spc="-1" strike="noStrike">
                 <a:latin typeface="Times New Roman"/>
               </a:rPr>
-              <a:t>&lt;number&gt;</a:t>
+              <a:t>1</a:t>
             </a:fld>
             <a:endParaRPr b="0" lang="en-GB" sz="1200" spc="-1" strike="noStrike">
               <a:latin typeface="Times New Roman"/>
@@ -1013,11 +1013,11 @@
                 <a:spcPct val="100000"/>
               </a:lnSpc>
             </a:pPr>
-            <a:fld id="{81FB98D9-7650-4E06-A077-7704D8A4B015}" type="slidenum">
+            <a:fld id="{F61885F2-E89C-4E47-B33A-A7B0AF4CA661}" type="slidenum">
               <a:rPr b="0" lang="en-GB" sz="1200" spc="-1" strike="noStrike">
                 <a:latin typeface="Times New Roman"/>
               </a:rPr>
-              <a:t>&lt;number&gt;</a:t>
+              <a:t>1</a:t>
             </a:fld>
             <a:endParaRPr b="0" lang="en-GB" sz="1200" spc="-1" strike="noStrike">
               <a:latin typeface="Times New Roman"/>
@@ -1122,11 +1122,11 @@
                 <a:spcPct val="100000"/>
               </a:lnSpc>
             </a:pPr>
-            <a:fld id="{7C6FACCB-0763-4A4A-8895-199D8888DDB0}" type="slidenum">
+            <a:fld id="{770E1E90-458A-4AAE-8FA1-7430A350158F}" type="slidenum">
               <a:rPr b="0" lang="en-GB" sz="1200" spc="-1" strike="noStrike">
                 <a:latin typeface="Times New Roman"/>
               </a:rPr>
-              <a:t>&lt;number&gt;</a:t>
+              <a:t>1</a:t>
             </a:fld>
             <a:endParaRPr b="0" lang="en-GB" sz="1200" spc="-1" strike="noStrike">
               <a:latin typeface="Times New Roman"/>
@@ -1231,11 +1231,11 @@
                 <a:spcPct val="100000"/>
               </a:lnSpc>
             </a:pPr>
-            <a:fld id="{0E87525D-82B6-479D-AEB4-61393D8EE5FE}" type="slidenum">
+            <a:fld id="{64F584C7-C4D2-4F4A-B95D-A9BFA3A9219C}" type="slidenum">
               <a:rPr b="0" lang="en-GB" sz="1200" spc="-1" strike="noStrike">
                 <a:latin typeface="Times New Roman"/>
               </a:rPr>
-              <a:t>&lt;number&gt;</a:t>
+              <a:t>1</a:t>
             </a:fld>
             <a:endParaRPr b="0" lang="en-GB" sz="1200" spc="-1" strike="noStrike">
               <a:latin typeface="Times New Roman"/>
@@ -1340,11 +1340,11 @@
                 <a:spcPct val="100000"/>
               </a:lnSpc>
             </a:pPr>
-            <a:fld id="{02700DAF-7036-484C-AACA-50C3CD90778A}" type="slidenum">
+            <a:fld id="{E90875B7-B812-4469-AB6E-192797AB09F4}" type="slidenum">
               <a:rPr b="0" lang="en-GB" sz="1200" spc="-1" strike="noStrike">
                 <a:latin typeface="Times New Roman"/>
               </a:rPr>
-              <a:t>&lt;number&gt;</a:t>
+              <a:t>1</a:t>
             </a:fld>
             <a:endParaRPr b="0" lang="en-GB" sz="1200" spc="-1" strike="noStrike">
               <a:latin typeface="Times New Roman"/>
@@ -1449,11 +1449,11 @@
                 <a:spcPct val="100000"/>
               </a:lnSpc>
             </a:pPr>
-            <a:fld id="{C82339D6-E288-421A-BF67-A0B9D8918448}" type="slidenum">
+            <a:fld id="{6A6EC82D-B8E4-4851-9784-585CD48237E0}" type="slidenum">
               <a:rPr b="0" lang="en-GB" sz="1200" spc="-1" strike="noStrike">
                 <a:latin typeface="Times New Roman"/>
               </a:rPr>
-              <a:t>&lt;number&gt;</a:t>
+              <a:t>1</a:t>
             </a:fld>
             <a:endParaRPr b="0" lang="en-GB" sz="1200" spc="-1" strike="noStrike">
               <a:latin typeface="Times New Roman"/>
@@ -1558,11 +1558,11 @@
                 <a:spcPct val="100000"/>
               </a:lnSpc>
             </a:pPr>
-            <a:fld id="{1A1756D1-8EBD-46E1-BC54-C2C477D65851}" type="slidenum">
+            <a:fld id="{587AF488-9022-43AC-9D3B-BB07BFD752CB}" type="slidenum">
               <a:rPr b="0" lang="en-GB" sz="1200" spc="-1" strike="noStrike">
                 <a:latin typeface="Times New Roman"/>
               </a:rPr>
-              <a:t>&lt;number&gt;</a:t>
+              <a:t>1</a:t>
             </a:fld>
             <a:endParaRPr b="0" lang="en-GB" sz="1200" spc="-1" strike="noStrike">
               <a:latin typeface="Times New Roman"/>
@@ -1667,11 +1667,11 @@
                 <a:spcPct val="100000"/>
               </a:lnSpc>
             </a:pPr>
-            <a:fld id="{1A6E01F4-BC4F-4FE6-AA19-0E977DD68FBE}" type="slidenum">
+            <a:fld id="{04F03316-F1B4-4344-988B-2662EFDC9A2F}" type="slidenum">
               <a:rPr b="0" lang="en-GB" sz="1200" spc="-1" strike="noStrike">
                 <a:latin typeface="Times New Roman"/>
               </a:rPr>
-              <a:t>&lt;number&gt;</a:t>
+              <a:t>1</a:t>
             </a:fld>
             <a:endParaRPr b="0" lang="en-GB" sz="1200" spc="-1" strike="noStrike">
               <a:latin typeface="Times New Roman"/>
@@ -11370,7 +11370,7 @@
                 <a:spcPct val="100000"/>
               </a:lnSpc>
             </a:pPr>
-            <a:fld id="{3FE5E53A-E73A-45B8-90DB-93BBF7EABACA}" type="slidenum">
+            <a:fld id="{36CB3371-4FEF-409B-A8B7-A40B08045D47}" type="slidenum">
               <a:rPr b="0" i="1" lang="en-GB" sz="1200" spc="-1" strike="noStrike">
                 <a:solidFill>
                   <a:srgbClr val="ffffff"/>
@@ -12281,7 +12281,7 @@
                 <a:spcPct val="100000"/>
               </a:lnSpc>
             </a:pPr>
-            <a:fld id="{F0C020E6-40DC-49FA-A611-7C69CB0057A5}" type="slidenum">
+            <a:fld id="{FC8B1438-5325-4A1C-994B-5BEBF3AF1EF5}" type="slidenum">
               <a:rPr b="0" i="1" lang="en-GB" sz="1200" spc="-1" strike="noStrike">
                 <a:solidFill>
                   <a:srgbClr val="ffffff"/>
@@ -12830,7 +12830,7 @@
                 <a:spcPct val="100000"/>
               </a:lnSpc>
             </a:pPr>
-            <a:fld id="{2365A91B-C332-4EDA-9E1D-C295AD8ACE65}" type="slidenum">
+            <a:fld id="{8E7AA0D1-1902-4AFC-BD1D-4FA655A87BBA}" type="slidenum">
               <a:rPr b="0" i="1" lang="en-GB" sz="1200" spc="-1" strike="noStrike">
                 <a:solidFill>
                   <a:srgbClr val="ffffff"/>
@@ -13491,7 +13491,7 @@
                 <a:spcPct val="100000"/>
               </a:lnSpc>
             </a:pPr>
-            <a:fld id="{DC6BBB04-53CC-4C36-BD11-085E3CAD8EBF}" type="slidenum">
+            <a:fld id="{C1801231-8467-46CC-9CDB-29C4872EE999}" type="slidenum">
               <a:rPr b="0" i="1" lang="en-GB" sz="1200" spc="-1" strike="noStrike">
                 <a:solidFill>
                   <a:srgbClr val="ffffff"/>
@@ -14892,7 +14892,7 @@
                 <a:spcPct val="100000"/>
               </a:lnSpc>
             </a:pPr>
-            <a:fld id="{FD4291EB-A953-4DD1-883D-3D202B37264B}" type="slidenum">
+            <a:fld id="{05615938-C595-4CA4-97C3-48694F253E3E}" type="slidenum">
               <a:rPr b="0" i="1" lang="en-GB" sz="1200" spc="-1" strike="noStrike">
                 <a:solidFill>
                   <a:srgbClr val="ffffff"/>
@@ -15411,14 +15411,14 @@
                 <a:spcPct val="100000"/>
               </a:lnSpc>
             </a:pPr>
-            <a:fld id="{BBAD1854-0FDA-4CF6-9407-81231CC0C017}" type="slidenum">
+            <a:fld id="{EBEB5EC8-61BE-4815-A304-CE69CFD64D73}" type="slidenum">
               <a:rPr b="0" i="1" lang="en-GB" sz="1200" spc="-1" strike="noStrike">
                 <a:solidFill>
                   <a:srgbClr val="ffffff"/>
                 </a:solidFill>
                 <a:latin typeface="Times New Roman"/>
               </a:rPr>
-              <a:t>&lt;number&gt;</a:t>
+              <a:t>1</a:t>
             </a:fld>
             <a:endParaRPr b="0" lang="en-GB" sz="1200" spc="-1" strike="noStrike">
               <a:latin typeface="Times New Roman"/>
@@ -15592,7 +15592,7 @@
                 </a:solidFill>
                 <a:latin typeface="Times New Roman"/>
               </a:rPr>
-              <a:t>Admin can edit any user</a:t>
+              <a:t>Ability to change password</a:t>
             </a:r>
             <a:endParaRPr b="0" lang="en-GB" sz="1600" spc="-1" strike="noStrike">
               <a:latin typeface="Arial"/>
@@ -16020,14 +16020,14 @@
                 <a:spcPct val="100000"/>
               </a:lnSpc>
             </a:pPr>
-            <a:fld id="{34F2FC53-12B7-4D4A-AAF6-C049DCB7D0BE}" type="slidenum">
+            <a:fld id="{F7AA3496-F7C6-444F-8E9F-AC296929330B}" type="slidenum">
               <a:rPr b="0" i="1" lang="en-GB" sz="1200" spc="-1" strike="noStrike">
                 <a:solidFill>
                   <a:srgbClr val="ffffff"/>
                 </a:solidFill>
                 <a:latin typeface="Times New Roman"/>
               </a:rPr>
-              <a:t>&lt;number&gt;</a:t>
+              <a:t>1</a:t>
             </a:fld>
             <a:endParaRPr b="0" lang="en-GB" sz="1200" spc="-1" strike="noStrike">
               <a:latin typeface="Times New Roman"/>
@@ -17006,7 +17006,7 @@
                 <a:spcPct val="100000"/>
               </a:lnSpc>
             </a:pPr>
-            <a:fld id="{8A2AED2A-C5D2-4916-939B-703108D0736C}" type="slidenum">
+            <a:fld id="{F005C268-6695-443D-8EB4-4E047B0FBA47}" type="slidenum">
               <a:rPr b="0" i="1" lang="en-GB" sz="1200" spc="-1" strike="noStrike">
                 <a:solidFill>
                   <a:srgbClr val="ffffff"/>
@@ -17444,7 +17444,7 @@
                 <a:spcPct val="100000"/>
               </a:lnSpc>
             </a:pPr>
-            <a:fld id="{6C5665AA-8AEE-45CA-A904-0D6FA472289B}" type="slidenum">
+            <a:fld id="{4AF60EAF-6450-4E66-8F95-FE3FA36EF67E}" type="slidenum">
               <a:rPr b="0" i="1" lang="en-GB" sz="1200" spc="-1" strike="noStrike">
                 <a:solidFill>
                   <a:srgbClr val="ffffff"/>
@@ -17931,7 +17931,7 @@
                 <a:spcPct val="100000"/>
               </a:lnSpc>
             </a:pPr>
-            <a:fld id="{FD872137-C10E-4B15-8734-FCA97EF4001F}" type="slidenum">
+            <a:fld id="{9A855E15-894B-4FDA-B81B-0FA77E51F29F}" type="slidenum">
               <a:rPr b="0" i="1" lang="en-GB" sz="1200" spc="-1" strike="noStrike">
                 <a:solidFill>
                   <a:srgbClr val="ffffff"/>
@@ -18192,7 +18192,7 @@
                 <a:spcPct val="100000"/>
               </a:lnSpc>
             </a:pPr>
-            <a:fld id="{2D13379A-34E3-4DEF-8D73-5179C39114B4}" type="slidenum">
+            <a:fld id="{FB7A5E55-678A-46B9-A36F-CE4E42EB3538}" type="slidenum">
               <a:rPr b="0" i="1" lang="en-GB" sz="1200" spc="-1" strike="noStrike">
                 <a:solidFill>
                   <a:srgbClr val="ffffff"/>
@@ -18686,7 +18686,7 @@
                 <a:spcPct val="100000"/>
               </a:lnSpc>
             </a:pPr>
-            <a:fld id="{0960DF39-E584-41C4-9813-27E186362009}" type="slidenum">
+            <a:fld id="{70E20EF3-67CB-490E-9FB5-86D99F59D0E5}" type="slidenum">
               <a:rPr b="0" i="1" lang="en-GB" sz="1200" spc="-1" strike="noStrike">
                 <a:solidFill>
                   <a:srgbClr val="ffffff"/>
@@ -18846,52 +18846,7 @@
                 </a:solidFill>
                 <a:latin typeface="Arial"/>
               </a:rPr>
-              <a:t>Ser</a:t>
-            </a:r>
-            <a:r>
-              <a:rPr b="1" lang="en-US" sz="4000" spc="-299" strike="noStrike" cap="all">
-                <a:solidFill>
-                  <a:srgbClr val="ffffff"/>
-                </a:solidFill>
-                <a:latin typeface="Arial"/>
-              </a:rPr>
-              <a:t>vice </a:t>
-            </a:r>
-            <a:r>
-              <a:rPr b="1" lang="en-US" sz="4000" spc="-299" strike="noStrike" cap="all">
-                <a:solidFill>
-                  <a:srgbClr val="ffffff"/>
-                </a:solidFill>
-                <a:latin typeface="Arial"/>
-              </a:rPr>
-              <a:t>Com</a:t>
-            </a:r>
-            <a:r>
-              <a:rPr b="1" lang="en-US" sz="4000" spc="-299" strike="noStrike" cap="all">
-                <a:solidFill>
-                  <a:srgbClr val="ffffff"/>
-                </a:solidFill>
-                <a:latin typeface="Arial"/>
-              </a:rPr>
-              <a:t>mun</a:t>
-            </a:r>
-            <a:r>
-              <a:rPr b="1" lang="en-US" sz="4000" spc="-299" strike="noStrike" cap="all">
-                <a:solidFill>
-                  <a:srgbClr val="ffffff"/>
-                </a:solidFill>
-                <a:latin typeface="Arial"/>
-              </a:rPr>
-              <a:t>icati</a:t>
-            </a:r>
-            <a:r>
-              <a:rPr b="1" lang="en-US" sz="4000" spc="-299" strike="noStrike" cap="all">
-                <a:solidFill>
-                  <a:srgbClr val="ffffff"/>
-                </a:solidFill>
-                <a:latin typeface="Arial"/>
-              </a:rPr>
-              <a:t>on</a:t>
+              <a:t>Service Communication</a:t>
             </a:r>
             <a:endParaRPr b="0" lang="en-US" sz="4000" spc="-1" strike="noStrike">
               <a:solidFill>
@@ -18929,7 +18884,7 @@
                 <a:spcPct val="100000"/>
               </a:lnSpc>
             </a:pPr>
-            <a:fld id="{F9B23BF3-387A-4A98-9044-DAEBA19E1466}" type="slidenum">
+            <a:fld id="{82CEF201-7BE0-466C-9C5A-570465C8D8BA}" type="slidenum">
               <a:rPr b="0" i="1" lang="en-GB" sz="1200" spc="-1" strike="noStrike">
                 <a:solidFill>
                   <a:srgbClr val="ffffff"/>
@@ -19398,7 +19353,7 @@
                 <a:spcPct val="100000"/>
               </a:lnSpc>
             </a:pPr>
-            <a:fld id="{0339FCDA-2821-48D1-8FFC-F499DB324077}" type="slidenum">
+            <a:fld id="{BC101E66-A316-4AA6-AC0C-2876762AAF8B}" type="slidenum">
               <a:rPr b="0" i="1" lang="en-GB" sz="1200" spc="-1" strike="noStrike">
                 <a:solidFill>
                   <a:srgbClr val="ffffff"/>
@@ -19719,7 +19674,7 @@
                 <a:spcPct val="100000"/>
               </a:lnSpc>
             </a:pPr>
-            <a:fld id="{B6D521C6-EBB5-4E28-88C5-34C28C439BA5}" type="slidenum">
+            <a:fld id="{FAA166DB-766A-41A1-824A-9DCC3156C9EC}" type="slidenum">
               <a:rPr b="0" i="1" lang="en-GB" sz="1200" spc="-1" strike="noStrike">
                 <a:solidFill>
                   <a:srgbClr val="ffffff"/>
